--- a/2. 객체지향 기초.pptx
+++ b/2. 객체지향 기초.pptx
@@ -12710,17 +12710,7 @@
                 <a:effectLst/>
                 <a:latin typeface="Consolas" panose="020B0609020204030204" pitchFamily="49" charset="0"/>
               </a:rPr>
-              <a:t>v</a:t>
-            </a:r>
-            <a:r>
-              <a:rPr lang="en-US" altLang="ko-KR" b="0">
-                <a:solidFill>
-                  <a:srgbClr val="228A96"/>
-                </a:solidFill>
-                <a:effectLst/>
-                <a:latin typeface="Consolas" panose="020B0609020204030204" pitchFamily="49" charset="0"/>
-              </a:rPr>
-              <a:t>=</a:t>
+              <a:t>v:</a:t>
             </a:r>
             <a:r>
               <a:rPr lang="en-US" altLang="ko-KR" b="0">
